--- a/sass/sass.pptx
+++ b/sass/sass.pptx
@@ -4995,7 +4995,7 @@
         <p:spPr>
           <a:xfrm>
             <a:off x="991542" y="1297305"/>
-            <a:ext cx="8227716" cy="4263391"/>
+            <a:ext cx="8227716" cy="3554819"/>
           </a:xfrm>
           <a:prstGeom prst="rect">
             <a:avLst/>
@@ -5023,7 +5023,7 @@
                 <a:sym typeface="Arial"/>
               </a:defRPr>
             </a:pPr>
-            <a:endParaRPr/>
+            <a:endParaRPr dirty="0"/>
           </a:p>
           <a:p>
             <a:pPr defTabSz="457200">
@@ -5048,7 +5048,7 @@
                 <a:sym typeface="宋体"/>
               </a:defRPr>
             </a:pPr>
-            <a:endParaRPr/>
+            <a:endParaRPr dirty="0"/>
           </a:p>
           <a:p>
             <a:pPr lvl="1" indent="228600" defTabSz="457200">
@@ -5076,7 +5076,43 @@
                 <a:sym typeface="宋体"/>
               </a:defRPr>
             </a:pPr>
-            <a:endParaRPr/>
+            <a:r>
+              <a:rPr lang="en-US" altLang="zh-CN" dirty="0"/>
+              <a:t>t</a:t>
+            </a:r>
+            <a:r>
+              <a:rPr lang="en-US" altLang="zh-CN" dirty="0" smtClean="0"/>
+              <a:t>ype-of()</a:t>
+            </a:r>
+            <a:r>
+              <a:rPr lang="zh-CN" altLang="en-US" dirty="0" smtClean="0"/>
+              <a:t>   </a:t>
+            </a:r>
+            <a:r>
+              <a:rPr lang="zh-CN" altLang="en-US" dirty="0" smtClean="0"/>
+              <a:t>查看类型     </a:t>
+            </a:r>
+            <a:r>
+              <a:rPr lang="en-US" altLang="zh-CN" dirty="0" smtClean="0"/>
+              <a:t>sass</a:t>
+            </a:r>
+            <a:r>
+              <a:rPr lang="zh-CN" altLang="en-US" dirty="0" smtClean="0"/>
+              <a:t> </a:t>
+            </a:r>
+            <a:r>
+              <a:rPr lang="en-US" altLang="zh-CN" dirty="0" smtClean="0"/>
+              <a:t>-</a:t>
+            </a:r>
+            <a:r>
+              <a:rPr lang="en-US" altLang="zh-CN" dirty="0" err="1" smtClean="0"/>
+              <a:t>i</a:t>
+            </a:r>
+            <a:r>
+              <a:rPr lang="zh-CN" altLang="en-US" dirty="0" smtClean="0"/>
+              <a:t>查看结果</a:t>
+            </a:r>
+            <a:endParaRPr dirty="0"/>
           </a:p>
           <a:p>
             <a:pPr lvl="1" indent="228600" defTabSz="457200">
@@ -5105,6 +5141,7 @@
               </a:defRPr>
             </a:pPr>
             <a:r>
+              <a:rPr dirty="0"/>
               <a:t> 1. 数字: 如，1、 2、 13、 10px；</a:t>
             </a:r>
           </a:p>
@@ -5135,6 +5172,7 @@
               </a:defRPr>
             </a:pPr>
             <a:r>
+              <a:rPr dirty="0"/>
               <a:t> 2. 字符串：有引号字符串或无引号字符串，如，”foo"、 'bar'、 baz；</a:t>
             </a:r>
           </a:p>
@@ -5165,6 +5203,7 @@
               </a:defRPr>
             </a:pPr>
             <a:r>
+              <a:rPr dirty="0"/>
               <a:t> 3. 颜色：如，blue、 #04a3f9、 rgba(255,0,0,0.5)；</a:t>
             </a:r>
           </a:p>
@@ -5195,6 +5234,7 @@
               </a:defRPr>
             </a:pPr>
             <a:r>
+              <a:rPr dirty="0"/>
               <a:t> 4. 布尔型：如，true、 false；</a:t>
             </a:r>
           </a:p>
@@ -5225,6 +5265,7 @@
               </a:defRPr>
             </a:pPr>
             <a:r>
+              <a:rPr dirty="0"/>
               <a:t> 5. 空值：如，null；</a:t>
             </a:r>
           </a:p>
@@ -5255,8 +5296,18 @@
               </a:defRPr>
             </a:pPr>
             <a:r>
-              <a:t> 6. 值列表：用空格或者逗号分开，如，1.5em 1em 0 2em 、 Helvetica, Arial, sans-serif。</a:t>
-            </a:r>
+              <a:rPr dirty="0"/>
+              <a:t> 6. 值列表：用空格或者逗号分开，如，1.5em 1em </a:t>
+            </a:r>
+            <a:r>
+              <a:rPr/>
+              <a:t>0 </a:t>
+            </a:r>
+            <a:r>
+              <a:rPr smtClean="0"/>
+              <a:t>2em</a:t>
+            </a:r>
+            <a:endParaRPr dirty="0"/>
           </a:p>
         </p:txBody>
       </p:sp>
